--- a/fig/evaluation-lan.pptx
+++ b/fig/evaluation-lan.pptx
@@ -366,7 +366,7 @@
           <c:showPercent val="0"/>
           <c:showBubbleSize val="0"/>
         </c:dLbls>
-        <c:gapWidth val="30"/>
+        <c:gapWidth val="90"/>
         <c:overlap val="-9"/>
         <c:axId val="-442460384"/>
         <c:axId val="-442471264"/>
@@ -1258,7 +1258,7 @@
           <a:p>
             <a:fld id="{2EEC2C92-656E-4FE5-8C48-1B96565DA995}" type="datetimeFigureOut">
               <a:rPr lang="zh-CN" altLang="en-US" smtClean="0"/>
-              <a:t>2022/8/5</a:t>
+              <a:t>2022/8/10</a:t>
             </a:fld>
             <a:endParaRPr lang="zh-CN" altLang="en-US"/>
           </a:p>
@@ -1426,7 +1426,7 @@
           <a:p>
             <a:fld id="{2EEC2C92-656E-4FE5-8C48-1B96565DA995}" type="datetimeFigureOut">
               <a:rPr lang="zh-CN" altLang="en-US" smtClean="0"/>
-              <a:t>2022/8/5</a:t>
+              <a:t>2022/8/10</a:t>
             </a:fld>
             <a:endParaRPr lang="zh-CN" altLang="en-US"/>
           </a:p>
@@ -1604,7 +1604,7 @@
           <a:p>
             <a:fld id="{2EEC2C92-656E-4FE5-8C48-1B96565DA995}" type="datetimeFigureOut">
               <a:rPr lang="zh-CN" altLang="en-US" smtClean="0"/>
-              <a:t>2022/8/5</a:t>
+              <a:t>2022/8/10</a:t>
             </a:fld>
             <a:endParaRPr lang="zh-CN" altLang="en-US"/>
           </a:p>
@@ -1772,7 +1772,7 @@
           <a:p>
             <a:fld id="{2EEC2C92-656E-4FE5-8C48-1B96565DA995}" type="datetimeFigureOut">
               <a:rPr lang="zh-CN" altLang="en-US" smtClean="0"/>
-              <a:t>2022/8/5</a:t>
+              <a:t>2022/8/10</a:t>
             </a:fld>
             <a:endParaRPr lang="zh-CN" altLang="en-US"/>
           </a:p>
@@ -2017,7 +2017,7 @@
           <a:p>
             <a:fld id="{2EEC2C92-656E-4FE5-8C48-1B96565DA995}" type="datetimeFigureOut">
               <a:rPr lang="zh-CN" altLang="en-US" smtClean="0"/>
-              <a:t>2022/8/5</a:t>
+              <a:t>2022/8/10</a:t>
             </a:fld>
             <a:endParaRPr lang="zh-CN" altLang="en-US"/>
           </a:p>
@@ -2246,7 +2246,7 @@
           <a:p>
             <a:fld id="{2EEC2C92-656E-4FE5-8C48-1B96565DA995}" type="datetimeFigureOut">
               <a:rPr lang="zh-CN" altLang="en-US" smtClean="0"/>
-              <a:t>2022/8/5</a:t>
+              <a:t>2022/8/10</a:t>
             </a:fld>
             <a:endParaRPr lang="zh-CN" altLang="en-US"/>
           </a:p>
@@ -2610,7 +2610,7 @@
           <a:p>
             <a:fld id="{2EEC2C92-656E-4FE5-8C48-1B96565DA995}" type="datetimeFigureOut">
               <a:rPr lang="zh-CN" altLang="en-US" smtClean="0"/>
-              <a:t>2022/8/5</a:t>
+              <a:t>2022/8/10</a:t>
             </a:fld>
             <a:endParaRPr lang="zh-CN" altLang="en-US"/>
           </a:p>
@@ -2727,7 +2727,7 @@
           <a:p>
             <a:fld id="{2EEC2C92-656E-4FE5-8C48-1B96565DA995}" type="datetimeFigureOut">
               <a:rPr lang="zh-CN" altLang="en-US" smtClean="0"/>
-              <a:t>2022/8/5</a:t>
+              <a:t>2022/8/10</a:t>
             </a:fld>
             <a:endParaRPr lang="zh-CN" altLang="en-US"/>
           </a:p>
@@ -2822,7 +2822,7 @@
           <a:p>
             <a:fld id="{2EEC2C92-656E-4FE5-8C48-1B96565DA995}" type="datetimeFigureOut">
               <a:rPr lang="zh-CN" altLang="en-US" smtClean="0"/>
-              <a:t>2022/8/5</a:t>
+              <a:t>2022/8/10</a:t>
             </a:fld>
             <a:endParaRPr lang="zh-CN" altLang="en-US"/>
           </a:p>
@@ -3097,7 +3097,7 @@
           <a:p>
             <a:fld id="{2EEC2C92-656E-4FE5-8C48-1B96565DA995}" type="datetimeFigureOut">
               <a:rPr lang="zh-CN" altLang="en-US" smtClean="0"/>
-              <a:t>2022/8/5</a:t>
+              <a:t>2022/8/10</a:t>
             </a:fld>
             <a:endParaRPr lang="zh-CN" altLang="en-US"/>
           </a:p>
@@ -3349,7 +3349,7 @@
           <a:p>
             <a:fld id="{2EEC2C92-656E-4FE5-8C48-1B96565DA995}" type="datetimeFigureOut">
               <a:rPr lang="zh-CN" altLang="en-US" smtClean="0"/>
-              <a:t>2022/8/5</a:t>
+              <a:t>2022/8/10</a:t>
             </a:fld>
             <a:endParaRPr lang="zh-CN" altLang="en-US"/>
           </a:p>
@@ -3560,7 +3560,7 @@
           <a:p>
             <a:fld id="{2EEC2C92-656E-4FE5-8C48-1B96565DA995}" type="datetimeFigureOut">
               <a:rPr lang="zh-CN" altLang="en-US" smtClean="0"/>
-              <a:t>2022/8/5</a:t>
+              <a:t>2022/8/10</a:t>
             </a:fld>
             <a:endParaRPr lang="zh-CN" altLang="en-US"/>
           </a:p>

--- a/fig/evaluation-lan.pptx
+++ b/fig/evaluation-lan.pptx
@@ -260,7 +260,7 @@
                 <c:formatCode>General</c:formatCode>
                 <c:ptCount val="4"/>
                 <c:pt idx="0">
-                  <c:v>135</c:v>
+                  <c:v>140</c:v>
                 </c:pt>
                 <c:pt idx="1">
                   <c:v>32</c:v>
@@ -269,7 +269,7 @@
                   <c:v>7</c:v>
                 </c:pt>
                 <c:pt idx="3">
-                  <c:v>174</c:v>
+                  <c:v>179</c:v>
                 </c:pt>
               </c:numCache>
             </c:numRef>
@@ -1258,7 +1258,7 @@
           <a:p>
             <a:fld id="{2EEC2C92-656E-4FE5-8C48-1B96565DA995}" type="datetimeFigureOut">
               <a:rPr lang="zh-CN" altLang="en-US" smtClean="0"/>
-              <a:t>2022/8/10</a:t>
+              <a:t>2022/8/11</a:t>
             </a:fld>
             <a:endParaRPr lang="zh-CN" altLang="en-US"/>
           </a:p>
@@ -1426,7 +1426,7 @@
           <a:p>
             <a:fld id="{2EEC2C92-656E-4FE5-8C48-1B96565DA995}" type="datetimeFigureOut">
               <a:rPr lang="zh-CN" altLang="en-US" smtClean="0"/>
-              <a:t>2022/8/10</a:t>
+              <a:t>2022/8/11</a:t>
             </a:fld>
             <a:endParaRPr lang="zh-CN" altLang="en-US"/>
           </a:p>
@@ -1604,7 +1604,7 @@
           <a:p>
             <a:fld id="{2EEC2C92-656E-4FE5-8C48-1B96565DA995}" type="datetimeFigureOut">
               <a:rPr lang="zh-CN" altLang="en-US" smtClean="0"/>
-              <a:t>2022/8/10</a:t>
+              <a:t>2022/8/11</a:t>
             </a:fld>
             <a:endParaRPr lang="zh-CN" altLang="en-US"/>
           </a:p>
@@ -1772,7 +1772,7 @@
           <a:p>
             <a:fld id="{2EEC2C92-656E-4FE5-8C48-1B96565DA995}" type="datetimeFigureOut">
               <a:rPr lang="zh-CN" altLang="en-US" smtClean="0"/>
-              <a:t>2022/8/10</a:t>
+              <a:t>2022/8/11</a:t>
             </a:fld>
             <a:endParaRPr lang="zh-CN" altLang="en-US"/>
           </a:p>
@@ -2017,7 +2017,7 @@
           <a:p>
             <a:fld id="{2EEC2C92-656E-4FE5-8C48-1B96565DA995}" type="datetimeFigureOut">
               <a:rPr lang="zh-CN" altLang="en-US" smtClean="0"/>
-              <a:t>2022/8/10</a:t>
+              <a:t>2022/8/11</a:t>
             </a:fld>
             <a:endParaRPr lang="zh-CN" altLang="en-US"/>
           </a:p>
@@ -2246,7 +2246,7 @@
           <a:p>
             <a:fld id="{2EEC2C92-656E-4FE5-8C48-1B96565DA995}" type="datetimeFigureOut">
               <a:rPr lang="zh-CN" altLang="en-US" smtClean="0"/>
-              <a:t>2022/8/10</a:t>
+              <a:t>2022/8/11</a:t>
             </a:fld>
             <a:endParaRPr lang="zh-CN" altLang="en-US"/>
           </a:p>
@@ -2610,7 +2610,7 @@
           <a:p>
             <a:fld id="{2EEC2C92-656E-4FE5-8C48-1B96565DA995}" type="datetimeFigureOut">
               <a:rPr lang="zh-CN" altLang="en-US" smtClean="0"/>
-              <a:t>2022/8/10</a:t>
+              <a:t>2022/8/11</a:t>
             </a:fld>
             <a:endParaRPr lang="zh-CN" altLang="en-US"/>
           </a:p>
@@ -2727,7 +2727,7 @@
           <a:p>
             <a:fld id="{2EEC2C92-656E-4FE5-8C48-1B96565DA995}" type="datetimeFigureOut">
               <a:rPr lang="zh-CN" altLang="en-US" smtClean="0"/>
-              <a:t>2022/8/10</a:t>
+              <a:t>2022/8/11</a:t>
             </a:fld>
             <a:endParaRPr lang="zh-CN" altLang="en-US"/>
           </a:p>
@@ -2822,7 +2822,7 @@
           <a:p>
             <a:fld id="{2EEC2C92-656E-4FE5-8C48-1B96565DA995}" type="datetimeFigureOut">
               <a:rPr lang="zh-CN" altLang="en-US" smtClean="0"/>
-              <a:t>2022/8/10</a:t>
+              <a:t>2022/8/11</a:t>
             </a:fld>
             <a:endParaRPr lang="zh-CN" altLang="en-US"/>
           </a:p>
@@ -3097,7 +3097,7 @@
           <a:p>
             <a:fld id="{2EEC2C92-656E-4FE5-8C48-1B96565DA995}" type="datetimeFigureOut">
               <a:rPr lang="zh-CN" altLang="en-US" smtClean="0"/>
-              <a:t>2022/8/10</a:t>
+              <a:t>2022/8/11</a:t>
             </a:fld>
             <a:endParaRPr lang="zh-CN" altLang="en-US"/>
           </a:p>
@@ -3349,7 +3349,7 @@
           <a:p>
             <a:fld id="{2EEC2C92-656E-4FE5-8C48-1B96565DA995}" type="datetimeFigureOut">
               <a:rPr lang="zh-CN" altLang="en-US" smtClean="0"/>
-              <a:t>2022/8/10</a:t>
+              <a:t>2022/8/11</a:t>
             </a:fld>
             <a:endParaRPr lang="zh-CN" altLang="en-US"/>
           </a:p>
@@ -3560,7 +3560,7 @@
           <a:p>
             <a:fld id="{2EEC2C92-656E-4FE5-8C48-1B96565DA995}" type="datetimeFigureOut">
               <a:rPr lang="zh-CN" altLang="en-US" smtClean="0"/>
-              <a:t>2022/8/10</a:t>
+              <a:t>2022/8/11</a:t>
             </a:fld>
             <a:endParaRPr lang="zh-CN" altLang="en-US"/>
           </a:p>
@@ -3972,7 +3972,7 @@
           <p:nvPr>
             <p:extLst>
               <p:ext uri="{D42A27DB-BD31-4B8C-83A1-F6EECF244321}">
-                <p14:modId xmlns:p14="http://schemas.microsoft.com/office/powerpoint/2010/main" val="1482775349"/>
+                <p14:modId xmlns:p14="http://schemas.microsoft.com/office/powerpoint/2010/main" val="1040847830"/>
               </p:ext>
             </p:extLst>
           </p:nvPr>
